--- a/EX_ReadWritePPT/EX_ReadWritePPT/TemplatePPT/Plantilla1.pptx
+++ b/EX_ReadWritePPT/EX_ReadWritePPT/TemplatePPT/Plantilla1.pptx
@@ -5,7 +5,7 @@
     <p:sldMasterId id="2147483648" r:id="rId1"/>
   </p:sldMasterIdLst>
   <p:sldIdLst>
-    <p:sldId id="256" r:id="rId2"/>
+    <p:sldId id="257" r:id="rId2"/>
   </p:sldIdLst>
   <p:sldSz cx="12192000" cy="6858000"/>
   <p:notesSz cx="6858000" cy="9144000"/>
@@ -18,6 +18,9 @@
       <p:boldItalic r:id="rId6"/>
     </p:embeddedFont>
   </p:embeddedFontLst>
+  <p:custDataLst>
+    <p:tags r:id="rId7"/>
+  </p:custDataLst>
   <p:defaultTextStyle>
     <a:defPPr>
       <a:defRPr lang="en-US"/>
@@ -117,6 +120,9 @@
     <p:ext uri="{EFAFB233-063F-42B5-8137-9DF3F51BA10A}">
       <p15:sldGuideLst xmlns:p15="http://schemas.microsoft.com/office/powerpoint/2012/main"/>
     </p:ext>
+    <p:ext uri="{2D200454-40CA-4A62-9FC3-DE9A4176ACB9}">
+      <p15:notesGuideLst xmlns:p15="http://schemas.microsoft.com/office/powerpoint/2012/main"/>
+    </p:ext>
   </p:extLst>
 </p:presentation>
 </file>
@@ -238,6 +244,13 @@
             <a:schemeClr val="lt1"/>
           </a:fontRef>
         </p:style>
+        <p:txBody>
+          <a:bodyPr/>
+          <a:lstStyle/>
+          <a:p>
+            <a:endParaRPr/>
+          </a:p>
+        </p:txBody>
       </p:sp>
       <p:sp>
         <p:nvSpPr>
@@ -276,6 +289,13 @@
             <a:schemeClr val="lt1"/>
           </a:fontRef>
         </p:style>
+        <p:txBody>
+          <a:bodyPr/>
+          <a:lstStyle/>
+          <a:p>
+            <a:endParaRPr/>
+          </a:p>
+        </p:txBody>
       </p:sp>
       <p:sp>
         <p:nvSpPr>
@@ -307,7 +327,7 @@
               <a:rPr lang="es-ES" smtClean="0"/>
               <a:t>Haga clic para modificar el estilo de título del patrón</a:t>
             </a:r>
-            <a:endParaRPr lang="en-US" dirty="0"/>
+            <a:endParaRPr lang="en-US"/>
           </a:p>
         </p:txBody>
       </p:sp>
@@ -374,7 +394,7 @@
               <a:rPr lang="es-ES" smtClean="0"/>
               <a:t>Haga clic para modificar el estilo de subtítulo del patrón</a:t>
             </a:r>
-            <a:endParaRPr lang="en-US" dirty="0"/>
+            <a:endParaRPr lang="en-US"/>
           </a:p>
         </p:txBody>
       </p:sp>
@@ -394,10 +414,10 @@
           <a:lstStyle/>
           <a:p>
             <a:fld id="{78ABE3C1-DBE1-495D-B57B-2849774B866A}" type="datetimeFigureOut">
-              <a:rPr lang="en-US" dirty="0"/>
-              <a:t>9/28/2020</a:t>
+              <a:rPr lang="en-US"/>
+              <a:t>9/30/2020</a:t>
             </a:fld>
-            <a:endParaRPr lang="en-US" dirty="0"/>
+            <a:endParaRPr lang="en-US"/>
           </a:p>
         </p:txBody>
       </p:sp>
@@ -416,7 +436,7 @@
           <a:bodyPr/>
           <a:lstStyle/>
           <a:p>
-            <a:endParaRPr lang="en-US" dirty="0"/>
+            <a:endParaRPr lang="en-US"/>
           </a:p>
         </p:txBody>
       </p:sp>
@@ -441,10 +461,10 @@
           <a:lstStyle/>
           <a:p>
             <a:fld id="{6D22F896-40B5-4ADD-8801-0D06FADFA095}" type="slidenum">
-              <a:rPr lang="en-US" dirty="0"/>
+              <a:rPr lang="en-US"/>
               <a:t>‹Nº›</a:t>
             </a:fld>
-            <a:endParaRPr lang="en-US" dirty="0"/>
+            <a:endParaRPr lang="en-US"/>
           </a:p>
         </p:txBody>
       </p:sp>
@@ -453,6 +473,7 @@
   <p:clrMapOvr>
     <a:masterClrMapping/>
   </p:clrMapOvr>
+  <p:transition/>
 </p:sldLayout>
 </file>
 
@@ -573,6 +594,13 @@
             <a:schemeClr val="lt1"/>
           </a:fontRef>
         </p:style>
+        <p:txBody>
+          <a:bodyPr/>
+          <a:lstStyle/>
+          <a:p>
+            <a:endParaRPr/>
+          </a:p>
+        </p:txBody>
       </p:sp>
       <p:sp>
         <p:nvSpPr>
@@ -611,6 +639,13 @@
             <a:schemeClr val="lt1"/>
           </a:fontRef>
         </p:style>
+        <p:txBody>
+          <a:bodyPr/>
+          <a:lstStyle/>
+          <a:p>
+            <a:endParaRPr/>
+          </a:p>
+        </p:txBody>
       </p:sp>
       <p:sp>
         <p:nvSpPr>
@@ -642,7 +677,7 @@
               <a:rPr lang="es-ES" smtClean="0"/>
               <a:t>Haga clic para modificar el estilo de título del patrón</a:t>
             </a:r>
-            <a:endParaRPr lang="en-US" dirty="0"/>
+            <a:endParaRPr lang="en-US"/>
           </a:p>
         </p:txBody>
       </p:sp>
@@ -715,10 +750,10 @@
           </a:lstStyle>
           <a:p>
             <a:r>
-              <a:rPr lang="es-ES" dirty="0" smtClean="0"/>
+              <a:rPr lang="es-ES" smtClean="0"/>
               <a:t>Haga clic en el icono para agregar una imagen</a:t>
             </a:r>
-            <a:endParaRPr lang="en-US" dirty="0"/>
+            <a:endParaRPr lang="en-US"/>
           </a:p>
         </p:txBody>
       </p:sp>
@@ -803,10 +838,10 @@
           <a:lstStyle/>
           <a:p>
             <a:fld id="{446C117F-5CCF-4837-BE5F-2B92066CAFAF}" type="datetimeFigureOut">
-              <a:rPr lang="en-US" dirty="0"/>
-              <a:t>9/28/2020</a:t>
+              <a:rPr lang="en-US"/>
+              <a:t>9/30/2020</a:t>
             </a:fld>
-            <a:endParaRPr lang="en-US" dirty="0"/>
+            <a:endParaRPr lang="en-US"/>
           </a:p>
         </p:txBody>
       </p:sp>
@@ -825,7 +860,7 @@
           <a:bodyPr/>
           <a:lstStyle/>
           <a:p>
-            <a:endParaRPr lang="en-US" dirty="0"/>
+            <a:endParaRPr lang="en-US"/>
           </a:p>
         </p:txBody>
       </p:sp>
@@ -850,10 +885,10 @@
           <a:lstStyle/>
           <a:p>
             <a:fld id="{6D22F896-40B5-4ADD-8801-0D06FADFA095}" type="slidenum">
-              <a:rPr lang="en-US" dirty="0"/>
+              <a:rPr lang="en-US"/>
               <a:t>‹Nº›</a:t>
             </a:fld>
-            <a:endParaRPr lang="en-US" dirty="0"/>
+            <a:endParaRPr lang="en-US"/>
           </a:p>
         </p:txBody>
       </p:sp>
@@ -862,6 +897,7 @@
   <p:clrMapOvr>
     <a:masterClrMapping/>
   </p:clrMapOvr>
+  <p:transition/>
 </p:sldLayout>
 </file>
 
@@ -982,6 +1018,13 @@
             <a:schemeClr val="lt1"/>
           </a:fontRef>
         </p:style>
+        <p:txBody>
+          <a:bodyPr/>
+          <a:lstStyle/>
+          <a:p>
+            <a:endParaRPr/>
+          </a:p>
+        </p:txBody>
       </p:sp>
       <p:sp>
         <p:nvSpPr>
@@ -1020,6 +1063,13 @@
             <a:schemeClr val="lt1"/>
           </a:fontRef>
         </p:style>
+        <p:txBody>
+          <a:bodyPr/>
+          <a:lstStyle/>
+          <a:p>
+            <a:endParaRPr/>
+          </a:p>
+        </p:txBody>
       </p:sp>
       <p:sp>
         <p:nvSpPr>
@@ -1049,7 +1099,7 @@
               <a:rPr lang="es-ES" smtClean="0"/>
               <a:t>Haga clic para modificar el estilo de título del patrón</a:t>
             </a:r>
-            <a:endParaRPr lang="en-US" dirty="0"/>
+            <a:endParaRPr lang="en-US"/>
           </a:p>
         </p:txBody>
       </p:sp>
@@ -1134,10 +1184,10 @@
           <a:lstStyle/>
           <a:p>
             <a:fld id="{84EB90BD-B6CE-46B7-997F-7313B992CCDC}" type="datetimeFigureOut">
-              <a:rPr lang="en-US" dirty="0"/>
-              <a:t>9/28/2020</a:t>
+              <a:rPr lang="en-US"/>
+              <a:t>9/30/2020</a:t>
             </a:fld>
-            <a:endParaRPr lang="en-US" dirty="0"/>
+            <a:endParaRPr lang="en-US"/>
           </a:p>
         </p:txBody>
       </p:sp>
@@ -1156,7 +1206,7 @@
           <a:bodyPr/>
           <a:lstStyle/>
           <a:p>
-            <a:endParaRPr lang="en-US" dirty="0"/>
+            <a:endParaRPr lang="en-US"/>
           </a:p>
         </p:txBody>
       </p:sp>
@@ -1181,10 +1231,10 @@
           <a:lstStyle/>
           <a:p>
             <a:fld id="{6D22F896-40B5-4ADD-8801-0D06FADFA095}" type="slidenum">
-              <a:rPr lang="en-US" dirty="0"/>
+              <a:rPr lang="en-US"/>
               <a:t>‹Nº›</a:t>
             </a:fld>
-            <a:endParaRPr lang="en-US" dirty="0"/>
+            <a:endParaRPr lang="en-US"/>
           </a:p>
         </p:txBody>
       </p:sp>
@@ -1193,6 +1243,7 @@
   <p:clrMapOvr>
     <a:masterClrMapping/>
   </p:clrMapOvr>
+  <p:transition/>
 </p:sldLayout>
 </file>
 
@@ -1313,6 +1364,13 @@
             <a:schemeClr val="lt1"/>
           </a:fontRef>
         </p:style>
+        <p:txBody>
+          <a:bodyPr/>
+          <a:lstStyle/>
+          <a:p>
+            <a:endParaRPr/>
+          </a:p>
+        </p:txBody>
       </p:sp>
       <p:sp>
         <p:nvSpPr>
@@ -1351,6 +1409,13 @@
             <a:schemeClr val="lt1"/>
           </a:fontRef>
         </p:style>
+        <p:txBody>
+          <a:bodyPr/>
+          <a:lstStyle/>
+          <a:p>
+            <a:endParaRPr/>
+          </a:p>
+        </p:txBody>
       </p:sp>
       <p:sp>
         <p:nvSpPr>
@@ -1380,7 +1445,7 @@
               <a:rPr lang="es-ES" smtClean="0"/>
               <a:t>Haga clic para modificar el estilo de título del patrón</a:t>
             </a:r>
-            <a:endParaRPr lang="en-US" dirty="0"/>
+            <a:endParaRPr lang="en-US"/>
           </a:p>
         </p:txBody>
       </p:sp>
@@ -1534,10 +1599,10 @@
           <a:lstStyle/>
           <a:p>
             <a:fld id="{CDB9D11F-B188-461D-B23F-39381795C052}" type="datetimeFigureOut">
-              <a:rPr lang="en-US" dirty="0"/>
-              <a:t>9/28/2020</a:t>
+              <a:rPr lang="en-US"/>
+              <a:t>9/30/2020</a:t>
             </a:fld>
-            <a:endParaRPr lang="en-US" dirty="0"/>
+            <a:endParaRPr lang="en-US"/>
           </a:p>
         </p:txBody>
       </p:sp>
@@ -1556,7 +1621,7 @@
           <a:bodyPr/>
           <a:lstStyle/>
           <a:p>
-            <a:endParaRPr lang="en-US" dirty="0"/>
+            <a:endParaRPr lang="en-US"/>
           </a:p>
         </p:txBody>
       </p:sp>
@@ -1581,10 +1646,10 @@
           <a:lstStyle/>
           <a:p>
             <a:fld id="{6D22F896-40B5-4ADD-8801-0D06FADFA095}" type="slidenum">
-              <a:rPr lang="en-US" dirty="0"/>
+              <a:rPr lang="en-US"/>
               <a:t>‹Nº›</a:t>
             </a:fld>
-            <a:endParaRPr lang="en-US" dirty="0"/>
+            <a:endParaRPr lang="en-US"/>
           </a:p>
         </p:txBody>
       </p:sp>
@@ -1693,7 +1758,7 @@
           <a:p>
             <a:pPr lvl="0"/>
             <a:r>
-              <a:rPr lang="en-US" sz="7200" dirty="0">
+              <a:rPr lang="en-US" sz="7200">
                 <a:solidFill>
                   <a:schemeClr val="tx1"/>
                 </a:solidFill>
@@ -1809,7 +1874,7 @@
           <a:p>
             <a:pPr lvl="0" algn="r"/>
             <a:r>
-              <a:rPr lang="en-US" sz="7200" dirty="0">
+              <a:rPr lang="en-US" sz="7200">
                 <a:solidFill>
                   <a:schemeClr val="tx1"/>
                 </a:solidFill>
@@ -1825,6 +1890,7 @@
   <p:clrMapOvr>
     <a:masterClrMapping/>
   </p:clrMapOvr>
+  <p:transition/>
 </p:sldLayout>
 </file>
 
@@ -1945,6 +2011,13 @@
             <a:schemeClr val="lt1"/>
           </a:fontRef>
         </p:style>
+        <p:txBody>
+          <a:bodyPr/>
+          <a:lstStyle/>
+          <a:p>
+            <a:endParaRPr/>
+          </a:p>
+        </p:txBody>
       </p:sp>
       <p:sp>
         <p:nvSpPr>
@@ -1983,6 +2056,13 @@
             <a:schemeClr val="lt1"/>
           </a:fontRef>
         </p:style>
+        <p:txBody>
+          <a:bodyPr/>
+          <a:lstStyle/>
+          <a:p>
+            <a:endParaRPr/>
+          </a:p>
+        </p:txBody>
       </p:sp>
       <p:sp>
         <p:nvSpPr>
@@ -2012,7 +2092,7 @@
               <a:rPr lang="es-ES" smtClean="0"/>
               <a:t>Haga clic para modificar el estilo de título del patrón</a:t>
             </a:r>
-            <a:endParaRPr lang="en-US" dirty="0"/>
+            <a:endParaRPr lang="en-US"/>
           </a:p>
         </p:txBody>
       </p:sp>
@@ -2097,10 +2177,10 @@
           <a:lstStyle/>
           <a:p>
             <a:fld id="{52E6D8D9-55A2-4063-B0F3-121F44549695}" type="datetimeFigureOut">
-              <a:rPr lang="en-US" dirty="0"/>
-              <a:t>9/28/2020</a:t>
+              <a:rPr lang="en-US"/>
+              <a:t>9/30/2020</a:t>
             </a:fld>
-            <a:endParaRPr lang="en-US" dirty="0"/>
+            <a:endParaRPr lang="en-US"/>
           </a:p>
         </p:txBody>
       </p:sp>
@@ -2119,7 +2199,7 @@
           <a:bodyPr/>
           <a:lstStyle/>
           <a:p>
-            <a:endParaRPr lang="en-US" dirty="0"/>
+            <a:endParaRPr lang="en-US"/>
           </a:p>
         </p:txBody>
       </p:sp>
@@ -2144,10 +2224,10 @@
           <a:lstStyle/>
           <a:p>
             <a:fld id="{6D22F896-40B5-4ADD-8801-0D06FADFA095}" type="slidenum">
-              <a:rPr lang="en-US" dirty="0"/>
+              <a:rPr lang="en-US"/>
               <a:t>‹Nº›</a:t>
             </a:fld>
-            <a:endParaRPr lang="en-US" dirty="0"/>
+            <a:endParaRPr lang="en-US"/>
           </a:p>
         </p:txBody>
       </p:sp>
@@ -2156,6 +2236,7 @@
   <p:clrMapOvr>
     <a:masterClrMapping/>
   </p:clrMapOvr>
+  <p:transition/>
 </p:sldLayout>
 </file>
 
@@ -2276,6 +2357,13 @@
             <a:schemeClr val="lt1"/>
           </a:fontRef>
         </p:style>
+        <p:txBody>
+          <a:bodyPr/>
+          <a:lstStyle/>
+          <a:p>
+            <a:endParaRPr/>
+          </a:p>
+        </p:txBody>
       </p:sp>
       <p:sp>
         <p:nvSpPr>
@@ -2314,6 +2402,13 @@
             <a:schemeClr val="lt1"/>
           </a:fontRef>
         </p:style>
+        <p:txBody>
+          <a:bodyPr/>
+          <a:lstStyle/>
+          <a:p>
+            <a:endParaRPr/>
+          </a:p>
+        </p:txBody>
       </p:sp>
       <p:sp>
         <p:nvSpPr>
@@ -2339,7 +2434,7 @@
               <a:rPr lang="es-ES" smtClean="0"/>
               <a:t>Haga clic para modificar el estilo de título del patrón</a:t>
             </a:r>
-            <a:endParaRPr lang="en-US" dirty="0"/>
+            <a:endParaRPr lang="en-US"/>
           </a:p>
         </p:txBody>
       </p:sp>
@@ -2773,10 +2868,10 @@
           <a:lstStyle/>
           <a:p>
             <a:fld id="{D4B24536-994D-4021-A283-9F449C0DB509}" type="datetimeFigureOut">
-              <a:rPr lang="en-US" dirty="0"/>
-              <a:t>9/28/2020</a:t>
+              <a:rPr lang="en-US"/>
+              <a:t>9/30/2020</a:t>
             </a:fld>
-            <a:endParaRPr lang="en-US" dirty="0"/>
+            <a:endParaRPr lang="en-US"/>
           </a:p>
         </p:txBody>
       </p:sp>
@@ -2795,7 +2890,7 @@
           <a:bodyPr/>
           <a:lstStyle/>
           <a:p>
-            <a:endParaRPr lang="en-US" dirty="0"/>
+            <a:endParaRPr lang="en-US"/>
           </a:p>
         </p:txBody>
       </p:sp>
@@ -2815,10 +2910,10 @@
           <a:lstStyle/>
           <a:p>
             <a:fld id="{6D22F896-40B5-4ADD-8801-0D06FADFA095}" type="slidenum">
-              <a:rPr lang="en-US" dirty="0"/>
+              <a:rPr lang="en-US"/>
               <a:t>‹Nº›</a:t>
             </a:fld>
-            <a:endParaRPr lang="en-US" dirty="0"/>
+            <a:endParaRPr lang="en-US"/>
           </a:p>
         </p:txBody>
       </p:sp>
@@ -2827,6 +2922,7 @@
   <p:clrMapOvr>
     <a:masterClrMapping/>
   </p:clrMapOvr>
+  <p:transition/>
 </p:sldLayout>
 </file>
 
@@ -2947,6 +3043,13 @@
             <a:schemeClr val="lt1"/>
           </a:fontRef>
         </p:style>
+        <p:txBody>
+          <a:bodyPr/>
+          <a:lstStyle/>
+          <a:p>
+            <a:endParaRPr/>
+          </a:p>
+        </p:txBody>
       </p:sp>
       <p:sp>
         <p:nvSpPr>
@@ -2985,6 +3088,13 @@
             <a:schemeClr val="lt1"/>
           </a:fontRef>
         </p:style>
+        <p:txBody>
+          <a:bodyPr/>
+          <a:lstStyle/>
+          <a:p>
+            <a:endParaRPr/>
+          </a:p>
+        </p:txBody>
       </p:sp>
       <p:sp>
         <p:nvSpPr>
@@ -3010,7 +3120,7 @@
               <a:rPr lang="es-ES" smtClean="0"/>
               <a:t>Haga clic para modificar el estilo de título del patrón</a:t>
             </a:r>
-            <a:endParaRPr lang="en-US" dirty="0"/>
+            <a:endParaRPr lang="en-US"/>
           </a:p>
         </p:txBody>
       </p:sp>
@@ -3157,10 +3267,10 @@
           </a:lstStyle>
           <a:p>
             <a:r>
-              <a:rPr lang="es-ES" dirty="0" smtClean="0"/>
+              <a:rPr lang="es-ES" smtClean="0"/>
               <a:t>Haga clic en el icono para agregar una imagen</a:t>
             </a:r>
-            <a:endParaRPr lang="en-US" dirty="0"/>
+            <a:endParaRPr lang="en-US"/>
           </a:p>
         </p:txBody>
       </p:sp>
@@ -3374,10 +3484,10 @@
           </a:lstStyle>
           <a:p>
             <a:r>
-              <a:rPr lang="es-ES" dirty="0" smtClean="0"/>
+              <a:rPr lang="es-ES" smtClean="0"/>
               <a:t>Haga clic en el icono para agregar una imagen</a:t>
             </a:r>
-            <a:endParaRPr lang="en-US" dirty="0"/>
+            <a:endParaRPr lang="en-US"/>
           </a:p>
         </p:txBody>
       </p:sp>
@@ -3591,10 +3701,10 @@
           </a:lstStyle>
           <a:p>
             <a:r>
-              <a:rPr lang="es-ES" dirty="0" smtClean="0"/>
+              <a:rPr lang="es-ES" smtClean="0"/>
               <a:t>Haga clic en el icono para agregar una imagen</a:t>
             </a:r>
-            <a:endParaRPr lang="en-US" dirty="0"/>
+            <a:endParaRPr lang="en-US"/>
           </a:p>
         </p:txBody>
       </p:sp>
@@ -3681,10 +3791,10 @@
           <a:lstStyle/>
           <a:p>
             <a:fld id="{3CBBBB78-C96F-47B7-AB17-D852CA960AC9}" type="datetimeFigureOut">
-              <a:rPr lang="en-US" dirty="0"/>
-              <a:t>9/28/2020</a:t>
+              <a:rPr lang="en-US"/>
+              <a:t>9/30/2020</a:t>
             </a:fld>
-            <a:endParaRPr lang="en-US" dirty="0"/>
+            <a:endParaRPr lang="en-US"/>
           </a:p>
         </p:txBody>
       </p:sp>
@@ -3703,7 +3813,7 @@
           <a:bodyPr/>
           <a:lstStyle/>
           <a:p>
-            <a:endParaRPr lang="en-US" dirty="0"/>
+            <a:endParaRPr lang="en-US"/>
           </a:p>
         </p:txBody>
       </p:sp>
@@ -3723,10 +3833,10 @@
           <a:lstStyle/>
           <a:p>
             <a:fld id="{6D22F896-40B5-4ADD-8801-0D06FADFA095}" type="slidenum">
-              <a:rPr lang="en-US" dirty="0"/>
+              <a:rPr lang="en-US"/>
               <a:t>‹Nº›</a:t>
             </a:fld>
-            <a:endParaRPr lang="en-US" dirty="0"/>
+            <a:endParaRPr lang="en-US"/>
           </a:p>
         </p:txBody>
       </p:sp>
@@ -3735,6 +3845,7 @@
   <p:clrMapOvr>
     <a:masterClrMapping/>
   </p:clrMapOvr>
+  <p:transition/>
 </p:sldLayout>
 </file>
 
@@ -3855,6 +3966,13 @@
             <a:schemeClr val="lt1"/>
           </a:fontRef>
         </p:style>
+        <p:txBody>
+          <a:bodyPr/>
+          <a:lstStyle/>
+          <a:p>
+            <a:endParaRPr/>
+          </a:p>
+        </p:txBody>
       </p:sp>
       <p:sp>
         <p:nvSpPr>
@@ -3893,6 +4011,13 @@
             <a:schemeClr val="lt1"/>
           </a:fontRef>
         </p:style>
+        <p:txBody>
+          <a:bodyPr/>
+          <a:lstStyle/>
+          <a:p>
+            <a:endParaRPr/>
+          </a:p>
+        </p:txBody>
       </p:sp>
       <p:sp>
         <p:nvSpPr>
@@ -3917,7 +4042,7 @@
               <a:rPr lang="es-ES" smtClean="0"/>
               <a:t>Haga clic para modificar el estilo de título del patrón</a:t>
             </a:r>
-            <a:endParaRPr lang="en-US" dirty="0"/>
+            <a:endParaRPr lang="en-US"/>
           </a:p>
         </p:txBody>
       </p:sp>
@@ -3969,7 +4094,7 @@
               <a:rPr lang="es-ES" smtClean="0"/>
               <a:t>Quinto nivel</a:t>
             </a:r>
-            <a:endParaRPr lang="en-US" dirty="0"/>
+            <a:endParaRPr lang="en-US"/>
           </a:p>
         </p:txBody>
       </p:sp>
@@ -3989,10 +4114,10 @@
           <a:lstStyle/>
           <a:p>
             <a:fld id="{1FA3F48C-C7C6-4055-9F49-3777875E72AE}" type="datetimeFigureOut">
-              <a:rPr lang="en-US" dirty="0"/>
-              <a:t>9/28/2020</a:t>
+              <a:rPr lang="en-US"/>
+              <a:t>9/30/2020</a:t>
             </a:fld>
-            <a:endParaRPr lang="en-US" dirty="0"/>
+            <a:endParaRPr lang="en-US"/>
           </a:p>
         </p:txBody>
       </p:sp>
@@ -4011,7 +4136,7 @@
           <a:bodyPr/>
           <a:lstStyle/>
           <a:p>
-            <a:endParaRPr lang="en-US" dirty="0"/>
+            <a:endParaRPr lang="en-US"/>
           </a:p>
         </p:txBody>
       </p:sp>
@@ -4031,10 +4156,10 @@
           <a:lstStyle/>
           <a:p>
             <a:fld id="{6D22F896-40B5-4ADD-8801-0D06FADFA095}" type="slidenum">
-              <a:rPr lang="en-US" dirty="0"/>
+              <a:rPr lang="en-US"/>
               <a:t>‹Nº›</a:t>
             </a:fld>
-            <a:endParaRPr lang="en-US" dirty="0"/>
+            <a:endParaRPr lang="en-US"/>
           </a:p>
         </p:txBody>
       </p:sp>
@@ -4043,6 +4168,7 @@
   <p:clrMapOvr>
     <a:masterClrMapping/>
   </p:clrMapOvr>
+  <p:transition/>
 </p:sldLayout>
 </file>
 
@@ -4103,6 +4229,13 @@
             <a:schemeClr val="lt1"/>
           </a:fontRef>
         </p:style>
+        <p:txBody>
+          <a:bodyPr/>
+          <a:lstStyle/>
+          <a:p>
+            <a:endParaRPr/>
+          </a:p>
+        </p:txBody>
       </p:sp>
       <p:sp>
         <p:nvSpPr>
@@ -4141,6 +4274,13 @@
             <a:schemeClr val="lt1"/>
           </a:fontRef>
         </p:style>
+        <p:txBody>
+          <a:bodyPr/>
+          <a:lstStyle/>
+          <a:p>
+            <a:endParaRPr/>
+          </a:p>
+        </p:txBody>
       </p:sp>
       <p:sp>
         <p:nvSpPr>
@@ -4166,7 +4306,7 @@
               <a:rPr lang="es-ES" smtClean="0"/>
               <a:t>Haga clic para modificar el estilo de título del patrón</a:t>
             </a:r>
-            <a:endParaRPr lang="en-US" dirty="0"/>
+            <a:endParaRPr lang="en-US"/>
           </a:p>
         </p:txBody>
       </p:sp>
@@ -4223,7 +4363,7 @@
               <a:rPr lang="es-ES" smtClean="0"/>
               <a:t>Quinto nivel</a:t>
             </a:r>
-            <a:endParaRPr lang="en-US" dirty="0"/>
+            <a:endParaRPr lang="en-US"/>
           </a:p>
         </p:txBody>
       </p:sp>
@@ -4248,10 +4388,10 @@
           <a:lstStyle/>
           <a:p>
             <a:fld id="{6178E61D-D431-422C-9764-11DAFE33AB63}" type="datetimeFigureOut">
-              <a:rPr lang="en-US" dirty="0"/>
-              <a:t>9/28/2020</a:t>
+              <a:rPr lang="en-US"/>
+              <a:t>9/30/2020</a:t>
             </a:fld>
-            <a:endParaRPr lang="en-US" dirty="0"/>
+            <a:endParaRPr lang="en-US"/>
           </a:p>
         </p:txBody>
       </p:sp>
@@ -4275,7 +4415,7 @@
           <a:bodyPr/>
           <a:lstStyle/>
           <a:p>
-            <a:endParaRPr lang="en-US" dirty="0"/>
+            <a:endParaRPr lang="en-US"/>
           </a:p>
         </p:txBody>
       </p:sp>
@@ -4304,11 +4444,10 @@
           </a:lstStyle>
           <a:p>
             <a:fld id="{6D22F896-40B5-4ADD-8801-0D06FADFA095}" type="slidenum">
-              <a:rPr lang="en-US" dirty="0"/>
-              <a:pPr/>
+              <a:rPr lang="en-US"/>
               <a:t>‹Nº›</a:t>
             </a:fld>
-            <a:endParaRPr lang="en-US" dirty="0"/>
+            <a:endParaRPr lang="en-US"/>
           </a:p>
         </p:txBody>
       </p:sp>
@@ -4317,6 +4456,7 @@
   <p:clrMapOvr>
     <a:masterClrMapping/>
   </p:clrMapOvr>
+  <p:transition/>
 </p:sldLayout>
 </file>
 
@@ -4437,6 +4577,13 @@
             <a:schemeClr val="lt1"/>
           </a:fontRef>
         </p:style>
+        <p:txBody>
+          <a:bodyPr/>
+          <a:lstStyle/>
+          <a:p>
+            <a:endParaRPr/>
+          </a:p>
+        </p:txBody>
       </p:sp>
       <p:sp>
         <p:nvSpPr>
@@ -4475,6 +4622,13 @@
             <a:schemeClr val="lt1"/>
           </a:fontRef>
         </p:style>
+        <p:txBody>
+          <a:bodyPr/>
+          <a:lstStyle/>
+          <a:p>
+            <a:endParaRPr/>
+          </a:p>
+        </p:txBody>
       </p:sp>
       <p:sp>
         <p:nvSpPr>
@@ -4495,7 +4649,7 @@
               <a:rPr lang="es-ES" smtClean="0"/>
               <a:t>Haga clic para modificar el estilo de título del patrón</a:t>
             </a:r>
-            <a:endParaRPr lang="en-US" dirty="0"/>
+            <a:endParaRPr lang="en-US"/>
           </a:p>
         </p:txBody>
       </p:sp>
@@ -4547,7 +4701,7 @@
               <a:rPr lang="es-ES" smtClean="0"/>
               <a:t>Quinto nivel</a:t>
             </a:r>
-            <a:endParaRPr lang="en-US" dirty="0"/>
+            <a:endParaRPr lang="en-US"/>
           </a:p>
         </p:txBody>
       </p:sp>
@@ -4567,10 +4721,10 @@
           <a:lstStyle/>
           <a:p>
             <a:fld id="{12DE42F4-6EEF-4EF7-8ED4-2208F0F89A08}" type="datetimeFigureOut">
-              <a:rPr lang="en-US" dirty="0"/>
-              <a:t>9/28/2020</a:t>
+              <a:rPr lang="en-US"/>
+              <a:t>9/30/2020</a:t>
             </a:fld>
-            <a:endParaRPr lang="en-US" dirty="0"/>
+            <a:endParaRPr lang="en-US"/>
           </a:p>
         </p:txBody>
       </p:sp>
@@ -4589,7 +4743,7 @@
           <a:bodyPr/>
           <a:lstStyle/>
           <a:p>
-            <a:endParaRPr lang="en-US" dirty="0"/>
+            <a:endParaRPr lang="en-US"/>
           </a:p>
         </p:txBody>
       </p:sp>
@@ -4609,10 +4763,10 @@
           <a:lstStyle/>
           <a:p>
             <a:fld id="{6D22F896-40B5-4ADD-8801-0D06FADFA095}" type="slidenum">
-              <a:rPr lang="en-US" dirty="0"/>
+              <a:rPr lang="en-US"/>
               <a:t>‹Nº›</a:t>
             </a:fld>
-            <a:endParaRPr lang="en-US" dirty="0"/>
+            <a:endParaRPr lang="en-US"/>
           </a:p>
         </p:txBody>
       </p:sp>
@@ -4621,6 +4775,7 @@
   <p:clrMapOvr>
     <a:masterClrMapping/>
   </p:clrMapOvr>
+  <p:transition/>
 </p:sldLayout>
 </file>
 
@@ -4741,6 +4896,13 @@
             <a:schemeClr val="lt1"/>
           </a:fontRef>
         </p:style>
+        <p:txBody>
+          <a:bodyPr/>
+          <a:lstStyle/>
+          <a:p>
+            <a:endParaRPr/>
+          </a:p>
+        </p:txBody>
       </p:sp>
       <p:sp>
         <p:nvSpPr>
@@ -4779,6 +4941,13 @@
             <a:schemeClr val="lt1"/>
           </a:fontRef>
         </p:style>
+        <p:txBody>
+          <a:bodyPr/>
+          <a:lstStyle/>
+          <a:p>
+            <a:endParaRPr/>
+          </a:p>
+        </p:txBody>
       </p:sp>
       <p:sp>
         <p:nvSpPr>
@@ -4810,7 +4979,7 @@
               <a:rPr lang="es-ES" smtClean="0"/>
               <a:t>Haga clic para modificar el estilo de título del patrón</a:t>
             </a:r>
-            <a:endParaRPr lang="en-US" dirty="0"/>
+            <a:endParaRPr lang="en-US"/>
           </a:p>
         </p:txBody>
       </p:sp>
@@ -4951,10 +5120,10 @@
           <a:lstStyle/>
           <a:p>
             <a:fld id="{30578ACC-22D6-47C1-A373-4FD133E34F3C}" type="datetimeFigureOut">
-              <a:rPr lang="en-US" dirty="0"/>
-              <a:t>9/28/2020</a:t>
+              <a:rPr lang="en-US"/>
+              <a:t>9/30/2020</a:t>
             </a:fld>
-            <a:endParaRPr lang="en-US" dirty="0"/>
+            <a:endParaRPr lang="en-US"/>
           </a:p>
         </p:txBody>
       </p:sp>
@@ -4973,7 +5142,7 @@
           <a:bodyPr/>
           <a:lstStyle/>
           <a:p>
-            <a:endParaRPr lang="en-US" dirty="0"/>
+            <a:endParaRPr lang="en-US"/>
           </a:p>
         </p:txBody>
       </p:sp>
@@ -4998,10 +5167,10 @@
           <a:lstStyle/>
           <a:p>
             <a:fld id="{6D22F896-40B5-4ADD-8801-0D06FADFA095}" type="slidenum">
-              <a:rPr lang="en-US" dirty="0"/>
+              <a:rPr lang="en-US"/>
               <a:t>‹Nº›</a:t>
             </a:fld>
-            <a:endParaRPr lang="en-US" dirty="0"/>
+            <a:endParaRPr lang="en-US"/>
           </a:p>
         </p:txBody>
       </p:sp>
@@ -5010,6 +5179,7 @@
   <p:clrMapOvr>
     <a:masterClrMapping/>
   </p:clrMapOvr>
+  <p:transition/>
 </p:sldLayout>
 </file>
 
@@ -5130,6 +5300,13 @@
             <a:schemeClr val="lt1"/>
           </a:fontRef>
         </p:style>
+        <p:txBody>
+          <a:bodyPr/>
+          <a:lstStyle/>
+          <a:p>
+            <a:endParaRPr/>
+          </a:p>
+        </p:txBody>
       </p:sp>
       <p:sp>
         <p:nvSpPr>
@@ -5168,6 +5345,13 @@
             <a:schemeClr val="lt1"/>
           </a:fontRef>
         </p:style>
+        <p:txBody>
+          <a:bodyPr/>
+          <a:lstStyle/>
+          <a:p>
+            <a:endParaRPr/>
+          </a:p>
+        </p:txBody>
       </p:sp>
       <p:sp>
         <p:nvSpPr>
@@ -5188,7 +5372,7 @@
               <a:rPr lang="es-ES" smtClean="0"/>
               <a:t>Haga clic para modificar el estilo de título del patrón</a:t>
             </a:r>
-            <a:endParaRPr lang="en-US" dirty="0"/>
+            <a:endParaRPr lang="en-US"/>
           </a:p>
         </p:txBody>
       </p:sp>
@@ -5245,7 +5429,7 @@
               <a:rPr lang="es-ES" smtClean="0"/>
               <a:t>Quinto nivel</a:t>
             </a:r>
-            <a:endParaRPr lang="en-US" dirty="0"/>
+            <a:endParaRPr lang="en-US"/>
           </a:p>
         </p:txBody>
       </p:sp>
@@ -5302,7 +5486,7 @@
               <a:rPr lang="es-ES" smtClean="0"/>
               <a:t>Quinto nivel</a:t>
             </a:r>
-            <a:endParaRPr lang="en-US" dirty="0"/>
+            <a:endParaRPr lang="en-US"/>
           </a:p>
         </p:txBody>
       </p:sp>
@@ -5322,10 +5506,10 @@
           <a:lstStyle/>
           <a:p>
             <a:fld id="{4E5A6C69-6797-4E8A-BF37-F2C3751466E9}" type="datetimeFigureOut">
-              <a:rPr lang="en-US" dirty="0"/>
-              <a:t>9/28/2020</a:t>
+              <a:rPr lang="en-US"/>
+              <a:t>9/30/2020</a:t>
             </a:fld>
-            <a:endParaRPr lang="en-US" dirty="0"/>
+            <a:endParaRPr lang="en-US"/>
           </a:p>
         </p:txBody>
       </p:sp>
@@ -5344,7 +5528,7 @@
           <a:bodyPr/>
           <a:lstStyle/>
           <a:p>
-            <a:endParaRPr lang="en-US" dirty="0"/>
+            <a:endParaRPr lang="en-US"/>
           </a:p>
         </p:txBody>
       </p:sp>
@@ -5364,10 +5548,10 @@
           <a:lstStyle/>
           <a:p>
             <a:fld id="{6D22F896-40B5-4ADD-8801-0D06FADFA095}" type="slidenum">
-              <a:rPr lang="en-US" dirty="0"/>
+              <a:rPr lang="en-US"/>
               <a:t>‹Nº›</a:t>
             </a:fld>
-            <a:endParaRPr lang="en-US" dirty="0"/>
+            <a:endParaRPr lang="en-US"/>
           </a:p>
         </p:txBody>
       </p:sp>
@@ -5376,6 +5560,7 @@
   <p:clrMapOvr>
     <a:masterClrMapping/>
   </p:clrMapOvr>
+  <p:transition/>
 </p:sldLayout>
 </file>
 
@@ -5496,6 +5681,13 @@
             <a:schemeClr val="lt1"/>
           </a:fontRef>
         </p:style>
+        <p:txBody>
+          <a:bodyPr/>
+          <a:lstStyle/>
+          <a:p>
+            <a:endParaRPr/>
+          </a:p>
+        </p:txBody>
       </p:sp>
       <p:sp>
         <p:nvSpPr>
@@ -5534,6 +5726,13 @@
             <a:schemeClr val="lt1"/>
           </a:fontRef>
         </p:style>
+        <p:txBody>
+          <a:bodyPr/>
+          <a:lstStyle/>
+          <a:p>
+            <a:endParaRPr/>
+          </a:p>
+        </p:txBody>
       </p:sp>
       <p:sp>
         <p:nvSpPr>
@@ -5559,7 +5758,7 @@
               <a:rPr lang="es-ES" smtClean="0"/>
               <a:t>Haga clic para modificar el estilo de título del patrón</a:t>
             </a:r>
-            <a:endParaRPr lang="en-US" dirty="0"/>
+            <a:endParaRPr lang="en-US"/>
           </a:p>
         </p:txBody>
       </p:sp>
@@ -5681,7 +5880,7 @@
               <a:rPr lang="es-ES" smtClean="0"/>
               <a:t>Quinto nivel</a:t>
             </a:r>
-            <a:endParaRPr lang="en-US" dirty="0"/>
+            <a:endParaRPr lang="en-US"/>
           </a:p>
         </p:txBody>
       </p:sp>
@@ -5803,7 +6002,7 @@
               <a:rPr lang="es-ES" smtClean="0"/>
               <a:t>Quinto nivel</a:t>
             </a:r>
-            <a:endParaRPr lang="en-US" dirty="0"/>
+            <a:endParaRPr lang="en-US"/>
           </a:p>
         </p:txBody>
       </p:sp>
@@ -5823,10 +6022,10 @@
           <a:lstStyle/>
           <a:p>
             <a:fld id="{D82014A1-A632-4878-A0D3-F52BA7563730}" type="datetimeFigureOut">
-              <a:rPr lang="en-US" dirty="0"/>
-              <a:t>9/28/2020</a:t>
+              <a:rPr lang="en-US"/>
+              <a:t>9/30/2020</a:t>
             </a:fld>
-            <a:endParaRPr lang="en-US" dirty="0"/>
+            <a:endParaRPr lang="en-US"/>
           </a:p>
         </p:txBody>
       </p:sp>
@@ -5845,7 +6044,7 @@
           <a:bodyPr/>
           <a:lstStyle/>
           <a:p>
-            <a:endParaRPr lang="en-US" dirty="0"/>
+            <a:endParaRPr lang="en-US"/>
           </a:p>
         </p:txBody>
       </p:sp>
@@ -5865,10 +6064,10 @@
           <a:lstStyle/>
           <a:p>
             <a:fld id="{6D22F896-40B5-4ADD-8801-0D06FADFA095}" type="slidenum">
-              <a:rPr lang="en-US" dirty="0"/>
+              <a:rPr lang="en-US"/>
               <a:t>‹Nº›</a:t>
             </a:fld>
-            <a:endParaRPr lang="en-US" dirty="0"/>
+            <a:endParaRPr lang="en-US"/>
           </a:p>
         </p:txBody>
       </p:sp>
@@ -5877,6 +6076,7 @@
   <p:clrMapOvr>
     <a:masterClrMapping/>
   </p:clrMapOvr>
+  <p:transition/>
 </p:sldLayout>
 </file>
 
@@ -5997,6 +6197,13 @@
             <a:schemeClr val="lt1"/>
           </a:fontRef>
         </p:style>
+        <p:txBody>
+          <a:bodyPr/>
+          <a:lstStyle/>
+          <a:p>
+            <a:endParaRPr/>
+          </a:p>
+        </p:txBody>
       </p:sp>
       <p:sp>
         <p:nvSpPr>
@@ -6035,6 +6242,13 @@
             <a:schemeClr val="lt1"/>
           </a:fontRef>
         </p:style>
+        <p:txBody>
+          <a:bodyPr/>
+          <a:lstStyle/>
+          <a:p>
+            <a:endParaRPr/>
+          </a:p>
+        </p:txBody>
       </p:sp>
       <p:sp>
         <p:nvSpPr>
@@ -6055,7 +6269,7 @@
               <a:rPr lang="es-ES" smtClean="0"/>
               <a:t>Haga clic para modificar el estilo de título del patrón</a:t>
             </a:r>
-            <a:endParaRPr lang="en-US" dirty="0"/>
+            <a:endParaRPr lang="en-US"/>
           </a:p>
         </p:txBody>
       </p:sp>
@@ -6075,10 +6289,10 @@
           <a:lstStyle/>
           <a:p>
             <a:fld id="{CE99F462-093F-4566-844B-4C71F2739DA5}" type="datetimeFigureOut">
-              <a:rPr lang="en-US" dirty="0"/>
-              <a:t>9/28/2020</a:t>
+              <a:rPr lang="en-US"/>
+              <a:t>9/30/2020</a:t>
             </a:fld>
-            <a:endParaRPr lang="en-US" dirty="0"/>
+            <a:endParaRPr lang="en-US"/>
           </a:p>
         </p:txBody>
       </p:sp>
@@ -6097,7 +6311,7 @@
           <a:bodyPr/>
           <a:lstStyle/>
           <a:p>
-            <a:endParaRPr lang="en-US" dirty="0"/>
+            <a:endParaRPr lang="en-US"/>
           </a:p>
         </p:txBody>
       </p:sp>
@@ -6117,10 +6331,10 @@
           <a:lstStyle/>
           <a:p>
             <a:fld id="{6D22F896-40B5-4ADD-8801-0D06FADFA095}" type="slidenum">
-              <a:rPr lang="en-US" dirty="0"/>
+              <a:rPr lang="en-US"/>
               <a:t>‹Nº›</a:t>
             </a:fld>
-            <a:endParaRPr lang="en-US" dirty="0"/>
+            <a:endParaRPr lang="en-US"/>
           </a:p>
         </p:txBody>
       </p:sp>
@@ -6129,6 +6343,7 @@
   <p:clrMapOvr>
     <a:masterClrMapping/>
   </p:clrMapOvr>
+  <p:transition/>
 </p:sldLayout>
 </file>
 
@@ -6216,6 +6431,13 @@
             <a:schemeClr val="lt1"/>
           </a:fontRef>
         </p:style>
+        <p:txBody>
+          <a:bodyPr/>
+          <a:lstStyle/>
+          <a:p>
+            <a:endParaRPr/>
+          </a:p>
+        </p:txBody>
       </p:sp>
       <p:sp>
         <p:nvSpPr>
@@ -6233,10 +6455,10 @@
           <a:lstStyle/>
           <a:p>
             <a:fld id="{3D24A7AC-904D-4781-85BA-7D10C17ED021}" type="datetimeFigureOut">
-              <a:rPr lang="en-US" dirty="0"/>
-              <a:t>9/28/2020</a:t>
+              <a:rPr lang="en-US"/>
+              <a:t>9/30/2020</a:t>
             </a:fld>
-            <a:endParaRPr lang="en-US" dirty="0"/>
+            <a:endParaRPr lang="en-US"/>
           </a:p>
         </p:txBody>
       </p:sp>
@@ -6255,7 +6477,7 @@
           <a:bodyPr/>
           <a:lstStyle/>
           <a:p>
-            <a:endParaRPr lang="en-US" dirty="0"/>
+            <a:endParaRPr lang="en-US"/>
           </a:p>
         </p:txBody>
       </p:sp>
@@ -6275,10 +6497,10 @@
           <a:lstStyle/>
           <a:p>
             <a:fld id="{6D22F896-40B5-4ADD-8801-0D06FADFA095}" type="slidenum">
-              <a:rPr lang="en-US" dirty="0"/>
+              <a:rPr lang="en-US"/>
               <a:t>‹Nº›</a:t>
             </a:fld>
-            <a:endParaRPr lang="en-US" dirty="0"/>
+            <a:endParaRPr lang="en-US"/>
           </a:p>
         </p:txBody>
       </p:sp>
@@ -6287,6 +6509,7 @@
   <p:clrMapOvr>
     <a:masterClrMapping/>
   </p:clrMapOvr>
+  <p:transition/>
 </p:sldLayout>
 </file>
 
@@ -6407,6 +6630,13 @@
             <a:schemeClr val="lt1"/>
           </a:fontRef>
         </p:style>
+        <p:txBody>
+          <a:bodyPr/>
+          <a:lstStyle/>
+          <a:p>
+            <a:endParaRPr/>
+          </a:p>
+        </p:txBody>
       </p:sp>
       <p:sp>
         <p:nvSpPr>
@@ -6445,6 +6675,13 @@
             <a:schemeClr val="lt1"/>
           </a:fontRef>
         </p:style>
+        <p:txBody>
+          <a:bodyPr/>
+          <a:lstStyle/>
+          <a:p>
+            <a:endParaRPr/>
+          </a:p>
+        </p:txBody>
       </p:sp>
       <p:sp>
         <p:nvSpPr>
@@ -6476,7 +6713,7 @@
               <a:rPr lang="es-ES" smtClean="0"/>
               <a:t>Haga clic para modificar el estilo de título del patrón</a:t>
             </a:r>
-            <a:endParaRPr lang="en-US" dirty="0"/>
+            <a:endParaRPr lang="en-US"/>
           </a:p>
         </p:txBody>
       </p:sp>
@@ -6533,7 +6770,7 @@
               <a:rPr lang="es-ES" smtClean="0"/>
               <a:t>Quinto nivel</a:t>
             </a:r>
-            <a:endParaRPr lang="en-US" dirty="0"/>
+            <a:endParaRPr lang="en-US"/>
           </a:p>
         </p:txBody>
       </p:sp>
@@ -6618,10 +6855,10 @@
           <a:lstStyle/>
           <a:p>
             <a:fld id="{E331444B-B92B-4E27-8C94-BB93EAF5CB18}" type="datetimeFigureOut">
-              <a:rPr lang="en-US" dirty="0"/>
-              <a:t>9/28/2020</a:t>
+              <a:rPr lang="en-US"/>
+              <a:t>9/30/2020</a:t>
             </a:fld>
-            <a:endParaRPr lang="en-US" dirty="0"/>
+            <a:endParaRPr lang="en-US"/>
           </a:p>
         </p:txBody>
       </p:sp>
@@ -6640,7 +6877,7 @@
           <a:bodyPr/>
           <a:lstStyle/>
           <a:p>
-            <a:endParaRPr lang="en-US" dirty="0"/>
+            <a:endParaRPr lang="en-US"/>
           </a:p>
         </p:txBody>
       </p:sp>
@@ -6660,10 +6897,10 @@
           <a:lstStyle/>
           <a:p>
             <a:fld id="{6D22F896-40B5-4ADD-8801-0D06FADFA095}" type="slidenum">
-              <a:rPr lang="en-US" dirty="0"/>
+              <a:rPr lang="en-US"/>
               <a:t>‹Nº›</a:t>
             </a:fld>
-            <a:endParaRPr lang="en-US" dirty="0"/>
+            <a:endParaRPr lang="en-US"/>
           </a:p>
         </p:txBody>
       </p:sp>
@@ -6672,6 +6909,7 @@
   <p:clrMapOvr>
     <a:masterClrMapping/>
   </p:clrMapOvr>
+  <p:transition/>
 </p:sldLayout>
 </file>
 
@@ -6792,6 +7030,13 @@
             <a:schemeClr val="lt1"/>
           </a:fontRef>
         </p:style>
+        <p:txBody>
+          <a:bodyPr/>
+          <a:lstStyle/>
+          <a:p>
+            <a:endParaRPr/>
+          </a:p>
+        </p:txBody>
       </p:sp>
       <p:sp>
         <p:nvSpPr>
@@ -6830,6 +7075,13 @@
             <a:schemeClr val="lt1"/>
           </a:fontRef>
         </p:style>
+        <p:txBody>
+          <a:bodyPr/>
+          <a:lstStyle/>
+          <a:p>
+            <a:endParaRPr/>
+          </a:p>
+        </p:txBody>
       </p:sp>
       <p:sp>
         <p:nvSpPr>
@@ -6861,7 +7113,7 @@
               <a:rPr lang="es-ES" smtClean="0"/>
               <a:t>Haga clic para modificar el estilo de título del patrón</a:t>
             </a:r>
-            <a:endParaRPr lang="en-US" dirty="0"/>
+            <a:endParaRPr lang="en-US"/>
           </a:p>
         </p:txBody>
       </p:sp>
@@ -6934,10 +7186,10 @@
           </a:lstStyle>
           <a:p>
             <a:r>
-              <a:rPr lang="es-ES" dirty="0" smtClean="0"/>
+              <a:rPr lang="es-ES" smtClean="0"/>
               <a:t>Haga clic en el icono para agregar una imagen</a:t>
             </a:r>
-            <a:endParaRPr lang="en-US" dirty="0"/>
+            <a:endParaRPr lang="en-US"/>
           </a:p>
         </p:txBody>
       </p:sp>
@@ -7022,10 +7274,10 @@
           <a:lstStyle/>
           <a:p>
             <a:fld id="{363EFA5E-FA76-400D-B3DC-F0BA90E6D107}" type="datetimeFigureOut">
-              <a:rPr lang="en-US" dirty="0"/>
-              <a:t>9/28/2020</a:t>
+              <a:rPr lang="en-US"/>
+              <a:t>9/30/2020</a:t>
             </a:fld>
-            <a:endParaRPr lang="en-US" dirty="0"/>
+            <a:endParaRPr lang="en-US"/>
           </a:p>
         </p:txBody>
       </p:sp>
@@ -7044,7 +7296,7 @@
           <a:bodyPr/>
           <a:lstStyle/>
           <a:p>
-            <a:endParaRPr lang="en-US" dirty="0"/>
+            <a:endParaRPr lang="en-US"/>
           </a:p>
         </p:txBody>
       </p:sp>
@@ -7064,10 +7316,10 @@
           <a:lstStyle/>
           <a:p>
             <a:fld id="{6D22F896-40B5-4ADD-8801-0D06FADFA095}" type="slidenum">
-              <a:rPr lang="en-US" dirty="0"/>
+              <a:rPr lang="en-US"/>
               <a:t>‹Nº›</a:t>
             </a:fld>
-            <a:endParaRPr lang="en-US" dirty="0"/>
+            <a:endParaRPr lang="en-US"/>
           </a:p>
         </p:txBody>
       </p:sp>
@@ -7076,6 +7328,7 @@
   <p:clrMapOvr>
     <a:masterClrMapping/>
   </p:clrMapOvr>
+  <p:transition/>
 </p:sldLayout>
 </file>
 
@@ -7161,7 +7414,7 @@
               <a:rPr lang="es-ES" smtClean="0"/>
               <a:t>Haga clic para modificar el estilo de título del patrón</a:t>
             </a:r>
-            <a:endParaRPr lang="en-US" dirty="0"/>
+            <a:endParaRPr lang="en-US"/>
           </a:p>
         </p:txBody>
       </p:sp>
@@ -7223,7 +7476,7 @@
               <a:rPr lang="es-ES" smtClean="0"/>
               <a:t>Quinto nivel</a:t>
             </a:r>
-            <a:endParaRPr lang="en-US" dirty="0"/>
+            <a:endParaRPr lang="en-US"/>
           </a:p>
         </p:txBody>
       </p:sp>
@@ -7261,10 +7514,10 @@
           </a:lstStyle>
           <a:p>
             <a:fld id="{9D6E9DEC-419B-4CC5-A080-3B06BD5A8291}" type="datetimeFigureOut">
-              <a:rPr lang="en-US" dirty="0"/>
-              <a:t>9/28/2020</a:t>
+              <a:rPr lang="en-US"/>
+              <a:t>9/30/2020</a:t>
             </a:fld>
-            <a:endParaRPr lang="en-US" dirty="0"/>
+            <a:endParaRPr lang="en-US"/>
           </a:p>
         </p:txBody>
       </p:sp>
@@ -7301,7 +7554,7 @@
             </a:lvl1pPr>
           </a:lstStyle>
           <a:p>
-            <a:endParaRPr lang="en-US" dirty="0"/>
+            <a:endParaRPr lang="en-US"/>
           </a:p>
         </p:txBody>
       </p:sp>
@@ -7339,11 +7592,10 @@
           </a:lstStyle>
           <a:p>
             <a:fld id="{6D22F896-40B5-4ADD-8801-0D06FADFA095}" type="slidenum">
-              <a:rPr lang="en-US" dirty="0"/>
-              <a:pPr/>
+              <a:rPr lang="en-US"/>
               <a:t>‹Nº›</a:t>
             </a:fld>
-            <a:endParaRPr lang="en-US" dirty="0"/>
+            <a:endParaRPr lang="en-US"/>
           </a:p>
         </p:txBody>
       </p:sp>
@@ -7369,7 +7621,7 @@
     <p:sldLayoutId id="2147483658" r:id="rId16"/>
     <p:sldLayoutId id="2147483659" r:id="rId17"/>
   </p:sldLayoutIdLst>
-  <p:hf sldNum="0" hdr="0" ftr="0" dt="0"/>
+  <p:transition/>
   <p:txStyles>
     <p:titleStyle>
       <a:lvl1pPr algn="l" defTabSz="914400" rtl="0" eaLnBrk="1" latinLnBrk="0" hangingPunct="1">
@@ -7677,21 +7929,23 @@
             <a:spLocks noGrp="1"/>
           </p:cNvSpPr>
           <p:nvPr>
-            <p:ph type="ctrTitle"/>
+            <p:ph type="title"/>
           </p:nvPr>
         </p:nvSpPr>
         <p:spPr/>
         <p:txBody>
-          <a:bodyPr/>
+          <a:bodyPr>
+            <a:normAutofit/>
+          </a:bodyPr>
           <a:lstStyle/>
           <a:p>
             <a:r>
               <a:rPr lang="es-VE" sz="3200" smtClean="0">
                 <a:latin typeface="Arial" panose="020B0604020202020204" pitchFamily="34" charset="0"/>
               </a:rPr>
-              <a:t>Escribiendo en el titulo: 28/09/2020 20:00:41</a:t>
-            </a:r>
-            <a:endParaRPr lang="en-US" sz="3200" dirty="0">
+              <a:t>Escribiendo en el titulo: 30/09/2020 17:52:46</a:t>
+            </a:r>
+            <a:endParaRPr lang="en-US" sz="3200">
               <a:latin typeface="Arial" panose="020B0604020202020204" pitchFamily="34" charset="0"/>
             </a:endParaRPr>
           </a:p>
@@ -7699,20 +7953,15 @@
       </p:sp>
       <p:sp>
         <p:nvSpPr>
-          <p:cNvPr id="3" name="Subtítulo 2"/>
-          <p:cNvSpPr>
-            <a:spLocks noGrp="1"/>
-          </p:cNvSpPr>
-          <p:nvPr>
-            <p:ph type="subTitle" idx="1"/>
-          </p:nvPr>
-        </p:nvSpPr>
-        <p:spPr>
-          <a:xfrm>
-            <a:off x="680322" y="4394039"/>
-            <a:ext cx="8990900" cy="1117687"/>
-          </a:xfrm>
-        </p:spPr>
+          <p:cNvPr id="3" name="Marcador de contenido 2"/>
+          <p:cNvSpPr>
+            <a:spLocks noGrp="1"/>
+          </p:cNvSpPr>
+          <p:nvPr>
+            <p:ph idx="1"/>
+          </p:nvPr>
+        </p:nvSpPr>
+        <p:spPr/>
         <p:txBody>
           <a:bodyPr>
             <a:normAutofit/>
@@ -7720,12 +7969,12 @@
           <a:lstStyle/>
           <a:p>
             <a:r>
-              <a:rPr lang="es-VE" sz="2800" smtClean="0">
+              <a:rPr lang="en-US" sz="2800" smtClean="0">
                 <a:latin typeface="Arial" panose="020B0604020202020204" pitchFamily="34" charset="0"/>
               </a:rPr>
-              <a:t>Descripcion PPT: 28/09/2020 20:00:41</a:t>
-            </a:r>
-            <a:endParaRPr lang="en-US" sz="2800" dirty="0">
+              <a:t>Descripcion PPT: 30/09/2020 17:52:46</a:t>
+            </a:r>
+            <a:endParaRPr lang="en-US" sz="2800">
               <a:latin typeface="Arial" panose="020B0604020202020204" pitchFamily="34" charset="0"/>
             </a:endParaRPr>
           </a:p>
@@ -7734,14 +7983,25 @@
     </p:spTree>
     <p:extLst>
       <p:ext uri="{BB962C8B-B14F-4D97-AF65-F5344CB8AC3E}">
-        <p14:creationId xmlns:p14="http://schemas.microsoft.com/office/powerpoint/2010/main" val="1307643168"/>
+        <p14:creationId xmlns:p14="http://schemas.microsoft.com/office/powerpoint/2010/main" val="46706155"/>
       </p:ext>
     </p:extLst>
   </p:cSld>
   <p:clrMapOvr>
     <a:masterClrMapping/>
   </p:clrMapOvr>
+  <p:transition/>
 </p:sld>
+</file>
+
+<file path=ppt/tags/tag1.xml><?xml version="1.0" encoding="utf-8"?>
+<p:tagLst xmlns:a="http://schemas.openxmlformats.org/drawingml/2006/main" xmlns:r="http://schemas.openxmlformats.org/officeDocument/2006/relationships" xmlns:p="http://schemas.openxmlformats.org/presentationml/2006/main">
+  <p:tag name="AS_NET" val="4.0.30319.42000"/>
+  <p:tag name="AS_OS" val="Microsoft Windows NT 10.0.18363.0"/>
+  <p:tag name="AS_RELEASE_DATE" val="2020.09.14"/>
+  <p:tag name="AS_TITLE" val="Aspose.Slides for .NET 4.0 Client Profile"/>
+  <p:tag name="AS_VERSION" val="20.9"/>
+</p:tagLst>
 </file>
 
 <file path=ppt/theme/theme1.xml><?xml version="1.0" encoding="utf-8"?>
@@ -7788,8 +8048,8 @@
     <a:fontScheme name="Berlin">
       <a:majorFont>
         <a:latin typeface="Trebuchet MS" panose="020B0603020202020204"/>
-        <a:ea typeface=""/>
-        <a:cs typeface=""/>
+        <a:ea typeface="Arial"/>
+        <a:cs typeface="Arial"/>
         <a:font script="Jpan" typeface="ＭＳ Ｐゴシック"/>
         <a:font script="Hang" typeface="맑은 고딕"/>
         <a:font script="Hans" typeface="宋体"/>
@@ -7823,8 +8083,8 @@
       </a:majorFont>
       <a:minorFont>
         <a:latin typeface="Trebuchet MS" panose="020B0603020202020204"/>
-        <a:ea typeface=""/>
-        <a:cs typeface=""/>
+        <a:ea typeface="Arial"/>
+        <a:cs typeface="Arial"/>
         <a:font script="Jpan" typeface="ＭＳ Ｐゴシック"/>
         <a:font script="Hang" typeface="맑은 고딕"/>
         <a:font script="Hans" typeface="宋体"/>

--- a/EX_ReadWritePPT/EX_ReadWritePPT/TemplatePPT/Plantilla1.pptx
+++ b/EX_ReadWritePPT/EX_ReadWritePPT/TemplatePPT/Plantilla1.pptx
@@ -1,6 +1,6 @@
 
 <file path=ppt/presentation.xml><?xml version="1.0" encoding="utf-8"?>
-<p:presentation xmlns:a="http://schemas.openxmlformats.org/drawingml/2006/main" xmlns:r="http://schemas.openxmlformats.org/officeDocument/2006/relationships" xmlns:p="http://schemas.openxmlformats.org/presentationml/2006/main" embedTrueTypeFonts="1" autoCompressPictures="0">
+<p:presentation xmlns:p15="http://schemas.microsoft.com/office/powerpoint/2012/main" xmlns:a="http://schemas.openxmlformats.org/drawingml/2006/main" xmlns:r="http://schemas.openxmlformats.org/officeDocument/2006/relationships" xmlns:p="http://schemas.openxmlformats.org/presentationml/2006/main" embedTrueTypeFonts="1" autoCompressPictures="0">
   <p:sldMasterIdLst>
     <p:sldMasterId id="2147483648" r:id="rId1"/>
   </p:sldMasterIdLst>
